--- a/0060_serial/rtl/schematic/serial_send.pptx
+++ b/0060_serial/rtl/schematic/serial_send.pptx
@@ -197,7 +197,7 @@
           <a:p>
             <a:fld id="{B9E5BF02-4A65-43B2-AA51-912306618617}" type="datetimeFigureOut">
               <a:rPr lang="en-US" smtClean="0"/>
-              <a:t>9/21/2017</a:t>
+              <a:t>9/25/2017</a:t>
             </a:fld>
             <a:endParaRPr lang="en-US"/>
           </a:p>
@@ -685,7 +685,7 @@
           <a:p>
             <a:fld id="{F8F920B2-3E99-4C9D-9450-62A3DEC5476B}" type="datetimeFigureOut">
               <a:rPr lang="en-US" smtClean="0"/>
-              <a:t>9/21/2017</a:t>
+              <a:t>9/25/2017</a:t>
             </a:fld>
             <a:endParaRPr lang="en-US"/>
           </a:p>
@@ -855,7 +855,7 @@
           <a:p>
             <a:fld id="{F8F920B2-3E99-4C9D-9450-62A3DEC5476B}" type="datetimeFigureOut">
               <a:rPr lang="en-US" smtClean="0"/>
-              <a:t>9/21/2017</a:t>
+              <a:t>9/25/2017</a:t>
             </a:fld>
             <a:endParaRPr lang="en-US"/>
           </a:p>
@@ -1035,7 +1035,7 @@
           <a:p>
             <a:fld id="{F8F920B2-3E99-4C9D-9450-62A3DEC5476B}" type="datetimeFigureOut">
               <a:rPr lang="en-US" smtClean="0"/>
-              <a:t>9/21/2017</a:t>
+              <a:t>9/25/2017</a:t>
             </a:fld>
             <a:endParaRPr lang="en-US"/>
           </a:p>
@@ -1205,7 +1205,7 @@
           <a:p>
             <a:fld id="{F8F920B2-3E99-4C9D-9450-62A3DEC5476B}" type="datetimeFigureOut">
               <a:rPr lang="en-US" smtClean="0"/>
-              <a:t>9/21/2017</a:t>
+              <a:t>9/25/2017</a:t>
             </a:fld>
             <a:endParaRPr lang="en-US"/>
           </a:p>
@@ -1449,7 +1449,7 @@
           <a:p>
             <a:fld id="{F8F920B2-3E99-4C9D-9450-62A3DEC5476B}" type="datetimeFigureOut">
               <a:rPr lang="en-US" smtClean="0"/>
-              <a:t>9/21/2017</a:t>
+              <a:t>9/25/2017</a:t>
             </a:fld>
             <a:endParaRPr lang="en-US"/>
           </a:p>
@@ -1681,7 +1681,7 @@
           <a:p>
             <a:fld id="{F8F920B2-3E99-4C9D-9450-62A3DEC5476B}" type="datetimeFigureOut">
               <a:rPr lang="en-US" smtClean="0"/>
-              <a:t>9/21/2017</a:t>
+              <a:t>9/25/2017</a:t>
             </a:fld>
             <a:endParaRPr lang="en-US"/>
           </a:p>
@@ -2048,7 +2048,7 @@
           <a:p>
             <a:fld id="{F8F920B2-3E99-4C9D-9450-62A3DEC5476B}" type="datetimeFigureOut">
               <a:rPr lang="en-US" smtClean="0"/>
-              <a:t>9/21/2017</a:t>
+              <a:t>9/25/2017</a:t>
             </a:fld>
             <a:endParaRPr lang="en-US"/>
           </a:p>
@@ -2166,7 +2166,7 @@
           <a:p>
             <a:fld id="{F8F920B2-3E99-4C9D-9450-62A3DEC5476B}" type="datetimeFigureOut">
               <a:rPr lang="en-US" smtClean="0"/>
-              <a:t>9/21/2017</a:t>
+              <a:t>9/25/2017</a:t>
             </a:fld>
             <a:endParaRPr lang="en-US"/>
           </a:p>
@@ -2261,7 +2261,7 @@
           <a:p>
             <a:fld id="{F8F920B2-3E99-4C9D-9450-62A3DEC5476B}" type="datetimeFigureOut">
               <a:rPr lang="en-US" smtClean="0"/>
-              <a:t>9/21/2017</a:t>
+              <a:t>9/25/2017</a:t>
             </a:fld>
             <a:endParaRPr lang="en-US"/>
           </a:p>
@@ -2538,7 +2538,7 @@
           <a:p>
             <a:fld id="{F8F920B2-3E99-4C9D-9450-62A3DEC5476B}" type="datetimeFigureOut">
               <a:rPr lang="en-US" smtClean="0"/>
-              <a:t>9/21/2017</a:t>
+              <a:t>9/25/2017</a:t>
             </a:fld>
             <a:endParaRPr lang="en-US"/>
           </a:p>
@@ -2795,7 +2795,7 @@
           <a:p>
             <a:fld id="{F8F920B2-3E99-4C9D-9450-62A3DEC5476B}" type="datetimeFigureOut">
               <a:rPr lang="en-US" smtClean="0"/>
-              <a:t>9/21/2017</a:t>
+              <a:t>9/25/2017</a:t>
             </a:fld>
             <a:endParaRPr lang="en-US"/>
           </a:p>
@@ -3008,7 +3008,7 @@
           <a:p>
             <a:fld id="{F8F920B2-3E99-4C9D-9450-62A3DEC5476B}" type="datetimeFigureOut">
               <a:rPr lang="en-US" smtClean="0"/>
-              <a:t>9/21/2017</a:t>
+              <a:t>9/25/2017</a:t>
             </a:fld>
             <a:endParaRPr lang="en-US"/>
           </a:p>
@@ -3472,7 +3472,7 @@
         </p:nvSpPr>
         <p:spPr>
           <a:xfrm>
-            <a:off x="533400" y="3429000"/>
+            <a:off x="533400" y="2514600"/>
             <a:ext cx="1524000" cy="228600"/>
           </a:xfrm>
           <a:prstGeom prst="roundRect">
@@ -3654,13 +3654,6 @@
               </a:rPr>
               <a:t>DIN</a:t>
             </a:r>
-            <a:endParaRPr lang="en-US" sz="900" dirty="0">
-              <a:solidFill>
-                <a:srgbClr val="000000"/>
-              </a:solidFill>
-              <a:latin typeface="Courier New" panose="02070309020205020404" pitchFamily="49" charset="0"/>
-              <a:cs typeface="Courier New" panose="02070309020205020404" pitchFamily="49" charset="0"/>
-            </a:endParaRPr>
           </a:p>
         </p:txBody>
       </p:sp>
@@ -4358,13 +4351,6 @@
               </a:rPr>
               <a:t>ODDR2</a:t>
             </a:r>
-            <a:endParaRPr lang="en-US" sz="900" dirty="0">
-              <a:solidFill>
-                <a:schemeClr val="tx1"/>
-              </a:solidFill>
-              <a:latin typeface="Courier New" panose="02070309020205020404" pitchFamily="49" charset="0"/>
-              <a:cs typeface="Courier New" panose="02070309020205020404" pitchFamily="49" charset="0"/>
-            </a:endParaRPr>
           </a:p>
         </p:txBody>
       </p:sp>
@@ -4417,13 +4403,6 @@
               </a:rPr>
               <a:t>D0</a:t>
             </a:r>
-            <a:endParaRPr lang="en-US" sz="900" dirty="0">
-              <a:solidFill>
-                <a:srgbClr val="000000"/>
-              </a:solidFill>
-              <a:latin typeface="Courier New" panose="02070309020205020404" pitchFamily="49" charset="0"/>
-              <a:cs typeface="Courier New" panose="02070309020205020404" pitchFamily="49" charset="0"/>
-            </a:endParaRPr>
           </a:p>
         </p:txBody>
       </p:sp>
@@ -4476,13 +4455,6 @@
               </a:rPr>
               <a:t>D1</a:t>
             </a:r>
-            <a:endParaRPr lang="en-US" sz="900" dirty="0">
-              <a:solidFill>
-                <a:srgbClr val="000000"/>
-              </a:solidFill>
-              <a:latin typeface="Courier New" panose="02070309020205020404" pitchFamily="49" charset="0"/>
-              <a:cs typeface="Courier New" panose="02070309020205020404" pitchFamily="49" charset="0"/>
-            </a:endParaRPr>
           </a:p>
         </p:txBody>
       </p:sp>
@@ -4535,13 +4507,6 @@
               </a:rPr>
               <a:t>C0</a:t>
             </a:r>
-            <a:endParaRPr lang="en-US" sz="900" dirty="0">
-              <a:solidFill>
-                <a:srgbClr val="000000"/>
-              </a:solidFill>
-              <a:latin typeface="Courier New" panose="02070309020205020404" pitchFamily="49" charset="0"/>
-              <a:cs typeface="Courier New" panose="02070309020205020404" pitchFamily="49" charset="0"/>
-            </a:endParaRPr>
           </a:p>
         </p:txBody>
       </p:sp>
@@ -4594,13 +4559,6 @@
               </a:rPr>
               <a:t>C1</a:t>
             </a:r>
-            <a:endParaRPr lang="en-US" sz="900" dirty="0">
-              <a:solidFill>
-                <a:srgbClr val="000000"/>
-              </a:solidFill>
-              <a:latin typeface="Courier New" panose="02070309020205020404" pitchFamily="49" charset="0"/>
-              <a:cs typeface="Courier New" panose="02070309020205020404" pitchFamily="49" charset="0"/>
-            </a:endParaRPr>
           </a:p>
         </p:txBody>
       </p:sp>
@@ -4653,13 +4611,6 @@
               </a:rPr>
               <a:t>CE</a:t>
             </a:r>
-            <a:endParaRPr lang="en-US" sz="900" dirty="0">
-              <a:solidFill>
-                <a:srgbClr val="000000"/>
-              </a:solidFill>
-              <a:latin typeface="Courier New" panose="02070309020205020404" pitchFamily="49" charset="0"/>
-              <a:cs typeface="Courier New" panose="02070309020205020404" pitchFamily="49" charset="0"/>
-            </a:endParaRPr>
           </a:p>
         </p:txBody>
       </p:sp>
@@ -4712,13 +4663,6 @@
               </a:rPr>
               <a:t>R</a:t>
             </a:r>
-            <a:endParaRPr lang="en-US" sz="900" dirty="0">
-              <a:solidFill>
-                <a:srgbClr val="000000"/>
-              </a:solidFill>
-              <a:latin typeface="Courier New" panose="02070309020205020404" pitchFamily="49" charset="0"/>
-              <a:cs typeface="Courier New" panose="02070309020205020404" pitchFamily="49" charset="0"/>
-            </a:endParaRPr>
           </a:p>
         </p:txBody>
       </p:sp>
@@ -4771,13 +4715,6 @@
               </a:rPr>
               <a:t>S</a:t>
             </a:r>
-            <a:endParaRPr lang="en-US" sz="900" dirty="0">
-              <a:solidFill>
-                <a:srgbClr val="000000"/>
-              </a:solidFill>
-              <a:latin typeface="Courier New" panose="02070309020205020404" pitchFamily="49" charset="0"/>
-              <a:cs typeface="Courier New" panose="02070309020205020404" pitchFamily="49" charset="0"/>
-            </a:endParaRPr>
           </a:p>
         </p:txBody>
       </p:sp>
@@ -4831,13 +4768,6 @@
               </a:rPr>
               <a:t>Q</a:t>
             </a:r>
-            <a:endParaRPr lang="en-US" sz="900" dirty="0">
-              <a:solidFill>
-                <a:srgbClr val="000000"/>
-              </a:solidFill>
-              <a:latin typeface="Courier New" panose="02070309020205020404" pitchFamily="49" charset="0"/>
-              <a:cs typeface="Courier New" panose="02070309020205020404" pitchFamily="49" charset="0"/>
-            </a:endParaRPr>
           </a:p>
         </p:txBody>
       </p:sp>
@@ -5223,13 +5153,6 @@
               </a:rPr>
               <a:t>shift</a:t>
             </a:r>
-            <a:endParaRPr lang="en-US" sz="900" dirty="0">
-              <a:solidFill>
-                <a:srgbClr val="000000"/>
-              </a:solidFill>
-              <a:latin typeface="Courier New" panose="02070309020205020404" pitchFamily="49" charset="0"/>
-              <a:cs typeface="Courier New" panose="02070309020205020404" pitchFamily="49" charset="0"/>
-            </a:endParaRPr>
           </a:p>
         </p:txBody>
       </p:sp>
@@ -5463,8 +5386,8 @@
         </p:nvCxnSpPr>
         <p:spPr>
           <a:xfrm flipH="1">
-            <a:off x="4343400" y="5638800"/>
-            <a:ext cx="4114800" cy="0"/>
+            <a:off x="4800600" y="5638800"/>
+            <a:ext cx="3657600" cy="0"/>
           </a:xfrm>
           <a:prstGeom prst="line">
             <a:avLst/>
@@ -5500,7 +5423,7 @@
         </p:nvCxnSpPr>
         <p:spPr>
           <a:xfrm flipV="1">
-            <a:off x="4343400" y="5181600"/>
+            <a:off x="4800600" y="5181600"/>
             <a:ext cx="0" cy="457200"/>
           </a:xfrm>
           <a:prstGeom prst="line">
@@ -5539,8 +5462,8 @@
         </p:nvCxnSpPr>
         <p:spPr>
           <a:xfrm>
-            <a:off x="5638800" y="5029200"/>
-            <a:ext cx="762000" cy="56"/>
+            <a:off x="6096000" y="5029200"/>
+            <a:ext cx="304800" cy="0"/>
           </a:xfrm>
           <a:prstGeom prst="line">
             <a:avLst/>
@@ -5576,7 +5499,7 @@
         </p:nvCxnSpPr>
         <p:spPr>
           <a:xfrm>
-            <a:off x="4876800" y="5410200"/>
+            <a:off x="5334000" y="5410200"/>
             <a:ext cx="304800" cy="0"/>
           </a:xfrm>
           <a:prstGeom prst="line">
@@ -5613,7 +5536,7 @@
         </p:nvCxnSpPr>
         <p:spPr>
           <a:xfrm flipV="1">
-            <a:off x="5181600" y="5181600"/>
+            <a:off x="5638800" y="5181600"/>
             <a:ext cx="76200" cy="76200"/>
           </a:xfrm>
           <a:prstGeom prst="line">
@@ -5650,7 +5573,7 @@
         </p:nvCxnSpPr>
         <p:spPr>
           <a:xfrm flipV="1">
-            <a:off x="5181600" y="5257800"/>
+            <a:off x="5638800" y="5257800"/>
             <a:ext cx="0" cy="152400"/>
           </a:xfrm>
           <a:prstGeom prst="line">
@@ -5687,7 +5610,7 @@
         </p:nvSpPr>
         <p:spPr>
           <a:xfrm rot="5400000">
-            <a:off x="5334000" y="4953000"/>
+            <a:off x="5791200" y="4953000"/>
             <a:ext cx="457200" cy="152400"/>
           </a:xfrm>
           <a:prstGeom prst="trapezoid">
@@ -5735,7 +5658,7 @@
         </p:nvSpPr>
         <p:spPr>
           <a:xfrm>
-            <a:off x="5486400" y="5029200"/>
+            <a:off x="5943600" y="5029200"/>
             <a:ext cx="152400" cy="152400"/>
           </a:xfrm>
           <a:prstGeom prst="rect">
@@ -5787,7 +5710,7 @@
         </p:nvSpPr>
         <p:spPr>
           <a:xfrm>
-            <a:off x="5486400" y="4876800"/>
+            <a:off x="5943600" y="4876800"/>
             <a:ext cx="152400" cy="152400"/>
           </a:xfrm>
           <a:prstGeom prst="rect">
@@ -5839,7 +5762,7 @@
         </p:nvCxnSpPr>
         <p:spPr>
           <a:xfrm>
-            <a:off x="4343400" y="5181600"/>
+            <a:off x="4800600" y="5181600"/>
             <a:ext cx="1143000" cy="0"/>
           </a:xfrm>
           <a:prstGeom prst="line">
@@ -5876,7 +5799,7 @@
         </p:nvSpPr>
         <p:spPr>
           <a:xfrm>
-            <a:off x="4724400" y="5257800"/>
+            <a:off x="5181600" y="5257800"/>
             <a:ext cx="457200" cy="152400"/>
           </a:xfrm>
           <a:prstGeom prst="rect">
@@ -5917,13 +5840,6 @@
               </a:rPr>
               <a:t>2’d0</a:t>
             </a:r>
-            <a:endParaRPr lang="en-US" sz="900" dirty="0">
-              <a:solidFill>
-                <a:srgbClr val="000000"/>
-              </a:solidFill>
-              <a:latin typeface="Courier New" panose="02070309020205020404" pitchFamily="49" charset="0"/>
-              <a:cs typeface="Courier New" panose="02070309020205020404" pitchFamily="49" charset="0"/>
-            </a:endParaRPr>
           </a:p>
         </p:txBody>
       </p:sp>
@@ -5935,7 +5851,7 @@
         </p:nvCxnSpPr>
         <p:spPr>
           <a:xfrm flipV="1">
-            <a:off x="5562600" y="5181600"/>
+            <a:off x="6019800" y="5181600"/>
             <a:ext cx="0" cy="1295400"/>
           </a:xfrm>
           <a:prstGeom prst="line">
@@ -6272,13 +6188,6 @@
               </a:rPr>
               <a:t>shift</a:t>
             </a:r>
-            <a:endParaRPr lang="en-US" sz="900" dirty="0">
-              <a:solidFill>
-                <a:srgbClr val="000000"/>
-              </a:solidFill>
-              <a:latin typeface="Courier New" panose="02070309020205020404" pitchFamily="49" charset="0"/>
-              <a:cs typeface="Courier New" panose="02070309020205020404" pitchFamily="49" charset="0"/>
-            </a:endParaRPr>
           </a:p>
         </p:txBody>
       </p:sp>
@@ -6291,7 +6200,7 @@
         <p:spPr>
           <a:xfrm>
             <a:off x="2286000" y="4876800"/>
-            <a:ext cx="3200400" cy="0"/>
+            <a:ext cx="3657600" cy="0"/>
           </a:xfrm>
           <a:prstGeom prst="line">
             <a:avLst/>
@@ -6705,7 +6614,7 @@
         <p:spPr>
           <a:xfrm>
             <a:off x="3200400" y="6400800"/>
-            <a:ext cx="1524000" cy="0"/>
+            <a:ext cx="1981200" cy="0"/>
           </a:xfrm>
           <a:prstGeom prst="line">
             <a:avLst/>
@@ -6852,7 +6761,7 @@
         </p:nvSpPr>
         <p:spPr>
           <a:xfrm>
-            <a:off x="4876800" y="6324600"/>
+            <a:off x="5334000" y="6324600"/>
             <a:ext cx="304800" cy="304800"/>
           </a:xfrm>
           <a:prstGeom prst="flowChartDelay">
@@ -6899,7 +6808,7 @@
         <p:spPr>
           <a:xfrm>
             <a:off x="4419600" y="6553200"/>
-            <a:ext cx="457200" cy="0"/>
+            <a:ext cx="914400" cy="0"/>
           </a:xfrm>
           <a:prstGeom prst="line">
             <a:avLst/>
@@ -6972,7 +6881,7 @@
         </p:nvSpPr>
         <p:spPr>
           <a:xfrm>
-            <a:off x="4724400" y="6324600"/>
+            <a:off x="5181600" y="6324600"/>
             <a:ext cx="152400" cy="152400"/>
           </a:xfrm>
           <a:prstGeom prst="ellipse">
@@ -7018,7 +6927,7 @@
         </p:nvCxnSpPr>
         <p:spPr>
           <a:xfrm>
-            <a:off x="5181600" y="6477000"/>
+            <a:off x="5638800" y="6477000"/>
             <a:ext cx="381000" cy="0"/>
           </a:xfrm>
           <a:prstGeom prst="line">
@@ -7107,7 +7016,7 @@
         <p:spPr>
           <a:xfrm>
             <a:off x="762000" y="7315200"/>
-            <a:ext cx="8077200" cy="0"/>
+            <a:ext cx="8382000" cy="0"/>
           </a:xfrm>
           <a:prstGeom prst="line">
             <a:avLst/>
@@ -7143,8 +7052,8 @@
         </p:nvCxnSpPr>
         <p:spPr>
           <a:xfrm>
-            <a:off x="8839200" y="4800600"/>
-            <a:ext cx="1066800" cy="0"/>
+            <a:off x="9144000" y="4800600"/>
+            <a:ext cx="762000" cy="0"/>
           </a:xfrm>
           <a:prstGeom prst="line">
             <a:avLst/>
@@ -7337,14 +7246,14 @@
           <a:lstStyle/>
           <a:p>
             <a:r>
-              <a:rPr lang="en-US" sz="900" dirty="0">
+              <a:rPr lang="en-US" sz="900" dirty="0" smtClean="0">
                 <a:solidFill>
                   <a:srgbClr val="000000"/>
                 </a:solidFill>
                 <a:latin typeface="Courier New" panose="02070309020205020404" pitchFamily="49" charset="0"/>
                 <a:cs typeface="Courier New" panose="02070309020205020404" pitchFamily="49" charset="0"/>
               </a:rPr>
-              <a:t>CLK_DIV</a:t>
+              <a:t>CLKD</a:t>
             </a:r>
             <a:endParaRPr lang="en-US" sz="900" dirty="0">
               <a:solidFill>
@@ -7406,13 +7315,6 @@
               </a:rPr>
               <a:t>1</a:t>
             </a:r>
-            <a:endParaRPr lang="en-US" sz="900" dirty="0">
-              <a:solidFill>
-                <a:srgbClr val="000000"/>
-              </a:solidFill>
-              <a:latin typeface="Courier New" panose="02070309020205020404" pitchFamily="49" charset="0"/>
-              <a:cs typeface="Courier New" panose="02070309020205020404" pitchFamily="49" charset="0"/>
-            </a:endParaRPr>
           </a:p>
         </p:txBody>
       </p:sp>
@@ -7493,14 +7395,14 @@
           <a:lstStyle/>
           <a:p>
             <a:r>
-              <a:rPr lang="en-US" sz="900" dirty="0">
+              <a:rPr lang="en-US" sz="900" dirty="0" smtClean="0">
                 <a:solidFill>
                   <a:srgbClr val="000000"/>
                 </a:solidFill>
                 <a:latin typeface="Courier New" panose="02070309020205020404" pitchFamily="49" charset="0"/>
                 <a:cs typeface="Courier New" panose="02070309020205020404" pitchFamily="49" charset="0"/>
               </a:rPr>
-              <a:t>CLK</a:t>
+              <a:t>CLKP</a:t>
             </a:r>
             <a:endParaRPr lang="en-US" sz="900" dirty="0">
               <a:solidFill>
@@ -7562,13 +7464,6 @@
               </a:rPr>
               <a:t>1</a:t>
             </a:r>
-            <a:endParaRPr lang="en-US" sz="900" dirty="0">
-              <a:solidFill>
-                <a:srgbClr val="000000"/>
-              </a:solidFill>
-              <a:latin typeface="Courier New" panose="02070309020205020404" pitchFamily="49" charset="0"/>
-              <a:cs typeface="Courier New" panose="02070309020205020404" pitchFamily="49" charset="0"/>
-            </a:endParaRPr>
           </a:p>
         </p:txBody>
       </p:sp>
@@ -7778,8 +7673,8 @@
         </p:nvCxnSpPr>
         <p:spPr>
           <a:xfrm>
-            <a:off x="8839200" y="5029200"/>
-            <a:ext cx="914400" cy="0"/>
+            <a:off x="9144000" y="5029200"/>
+            <a:ext cx="609600" cy="0"/>
           </a:xfrm>
           <a:prstGeom prst="line">
             <a:avLst/>
@@ -7815,7 +7710,7 @@
         </p:nvCxnSpPr>
         <p:spPr>
           <a:xfrm flipV="1">
-            <a:off x="8839200" y="4800600"/>
+            <a:off x="9144000" y="4800600"/>
             <a:ext cx="0" cy="2514600"/>
           </a:xfrm>
           <a:prstGeom prst="line">
@@ -8005,13 +7900,6 @@
               </a:rPr>
               <a:t>1’b1</a:t>
             </a:r>
-            <a:endParaRPr lang="en-US" sz="900" dirty="0">
-              <a:solidFill>
-                <a:srgbClr val="000000"/>
-              </a:solidFill>
-              <a:latin typeface="Courier New" panose="02070309020205020404" pitchFamily="49" charset="0"/>
-              <a:cs typeface="Courier New" panose="02070309020205020404" pitchFamily="49" charset="0"/>
-            </a:endParaRPr>
           </a:p>
         </p:txBody>
       </p:sp>
@@ -8065,6 +7953,192 @@
               </a:rPr>
               <a:t>1’b0</a:t>
             </a:r>
+          </a:p>
+        </p:txBody>
+      </p:sp>
+      <p:sp>
+        <p:nvSpPr>
+          <p:cNvPr id="735" name="Oval 734"/>
+          <p:cNvSpPr/>
+          <p:nvPr/>
+        </p:nvSpPr>
+        <p:spPr>
+          <a:xfrm>
+            <a:off x="9753600" y="5410200"/>
+            <a:ext cx="152400" cy="152400"/>
+          </a:xfrm>
+          <a:prstGeom prst="ellipse">
+            <a:avLst/>
+          </a:prstGeom>
+          <a:noFill/>
+          <a:ln w="12700">
+            <a:solidFill>
+              <a:schemeClr val="tx1"/>
+            </a:solidFill>
+          </a:ln>
+        </p:spPr>
+        <p:style>
+          <a:lnRef idx="2">
+            <a:schemeClr val="accent1">
+              <a:shade val="50000"/>
+            </a:schemeClr>
+          </a:lnRef>
+          <a:fillRef idx="1">
+            <a:schemeClr val="accent1"/>
+          </a:fillRef>
+          <a:effectRef idx="0">
+            <a:schemeClr val="accent1"/>
+          </a:effectRef>
+          <a:fontRef idx="minor">
+            <a:schemeClr val="lt1"/>
+          </a:fontRef>
+        </p:style>
+        <p:txBody>
+          <a:bodyPr rtlCol="0" anchor="ctr"/>
+          <a:lstStyle/>
+          <a:p>
+            <a:pPr algn="ctr"/>
+            <a:endParaRPr lang="en-US"/>
+          </a:p>
+        </p:txBody>
+      </p:sp>
+      <p:sp>
+        <p:nvSpPr>
+          <p:cNvPr id="736" name="Pentagon 735"/>
+          <p:cNvSpPr/>
+          <p:nvPr/>
+        </p:nvSpPr>
+        <p:spPr>
+          <a:xfrm>
+            <a:off x="533400" y="3733804"/>
+            <a:ext cx="228600" cy="152400"/>
+          </a:xfrm>
+          <a:prstGeom prst="homePlate">
+            <a:avLst/>
+          </a:prstGeom>
+          <a:noFill/>
+          <a:ln w="12700">
+            <a:solidFill>
+              <a:schemeClr val="tx1"/>
+            </a:solidFill>
+          </a:ln>
+        </p:spPr>
+        <p:style>
+          <a:lnRef idx="2">
+            <a:schemeClr val="accent1">
+              <a:shade val="50000"/>
+            </a:schemeClr>
+          </a:lnRef>
+          <a:fillRef idx="1">
+            <a:schemeClr val="accent1"/>
+          </a:fillRef>
+          <a:effectRef idx="0">
+            <a:schemeClr val="accent1"/>
+          </a:effectRef>
+          <a:fontRef idx="minor">
+            <a:schemeClr val="lt1"/>
+          </a:fontRef>
+        </p:style>
+        <p:txBody>
+          <a:bodyPr rot="0" spcFirstLastPara="0" vertOverflow="overflow" horzOverflow="overflow" vert="horz" wrap="square" lIns="91440" tIns="45720" rIns="91440" bIns="45720" numCol="1" spcCol="0" rtlCol="0" fromWordArt="0" anchor="ctr" anchorCtr="0" forceAA="0" compatLnSpc="1">
+            <a:prstTxWarp prst="textNoShape">
+              <a:avLst/>
+            </a:prstTxWarp>
+            <a:noAutofit/>
+          </a:bodyPr>
+          <a:lstStyle/>
+          <a:p>
+            <a:pPr algn="ctr"/>
+            <a:endParaRPr lang="en-US" sz="3730"/>
+          </a:p>
+        </p:txBody>
+      </p:sp>
+      <p:cxnSp>
+        <p:nvCxnSpPr>
+          <p:cNvPr id="737" name="Straight Connector 736"/>
+          <p:cNvCxnSpPr/>
+          <p:nvPr/>
+        </p:nvCxnSpPr>
+        <p:spPr>
+          <a:xfrm flipV="1">
+            <a:off x="838200" y="3733800"/>
+            <a:ext cx="152400" cy="152404"/>
+          </a:xfrm>
+          <a:prstGeom prst="line">
+            <a:avLst/>
+          </a:prstGeom>
+          <a:ln w="12700">
+            <a:solidFill>
+              <a:srgbClr val="000000"/>
+            </a:solidFill>
+            <a:headEnd type="none" w="med" len="med"/>
+            <a:tailEnd type="none" w="med" len="med"/>
+          </a:ln>
+        </p:spPr>
+        <p:style>
+          <a:lnRef idx="1">
+            <a:schemeClr val="accent1"/>
+          </a:lnRef>
+          <a:fillRef idx="0">
+            <a:schemeClr val="accent1"/>
+          </a:fillRef>
+          <a:effectRef idx="0">
+            <a:schemeClr val="accent1"/>
+          </a:effectRef>
+          <a:fontRef idx="minor">
+            <a:schemeClr val="tx1"/>
+          </a:fontRef>
+        </p:style>
+      </p:cxnSp>
+      <p:sp>
+        <p:nvSpPr>
+          <p:cNvPr id="738" name="Rectangle 737"/>
+          <p:cNvSpPr/>
+          <p:nvPr/>
+        </p:nvSpPr>
+        <p:spPr>
+          <a:xfrm>
+            <a:off x="1143000" y="3657600"/>
+            <a:ext cx="457200" cy="152400"/>
+          </a:xfrm>
+          <a:prstGeom prst="rect">
+            <a:avLst/>
+          </a:prstGeom>
+          <a:noFill/>
+          <a:ln>
+            <a:noFill/>
+          </a:ln>
+        </p:spPr>
+        <p:style>
+          <a:lnRef idx="2">
+            <a:schemeClr val="accent1">
+              <a:shade val="50000"/>
+            </a:schemeClr>
+          </a:lnRef>
+          <a:fillRef idx="1">
+            <a:schemeClr val="accent1"/>
+          </a:fillRef>
+          <a:effectRef idx="0">
+            <a:schemeClr val="accent1"/>
+          </a:effectRef>
+          <a:fontRef idx="minor">
+            <a:schemeClr val="lt1"/>
+          </a:fontRef>
+        </p:style>
+        <p:txBody>
+          <a:bodyPr wrap="none" lIns="45720" rIns="45720" rtlCol="0" anchor="ctr"/>
+          <a:lstStyle/>
+          <a:p>
+            <a:r>
+              <a:rPr lang="en-US" sz="900" dirty="0" smtClean="0">
+                <a:solidFill>
+                  <a:srgbClr val="000000"/>
+                </a:solidFill>
+                <a:latin typeface="Courier New" panose="02070309020205020404" pitchFamily="49" charset="0"/>
+                <a:cs typeface="Courier New" panose="02070309020205020404" pitchFamily="49" charset="0"/>
+              </a:rPr>
+              <a:t>RSTXP</a:t>
+            </a:r>
             <a:endParaRPr lang="en-US" sz="900" dirty="0">
               <a:solidFill>
                 <a:srgbClr val="000000"/>
@@ -8077,206 +8151,13 @@
       </p:sp>
       <p:sp>
         <p:nvSpPr>
-          <p:cNvPr id="735" name="Oval 734"/>
-          <p:cNvSpPr/>
-          <p:nvPr/>
-        </p:nvSpPr>
-        <p:spPr>
-          <a:xfrm>
-            <a:off x="9753600" y="5410200"/>
-            <a:ext cx="152400" cy="152400"/>
-          </a:xfrm>
-          <a:prstGeom prst="ellipse">
-            <a:avLst/>
-          </a:prstGeom>
-          <a:noFill/>
-          <a:ln w="12700">
-            <a:solidFill>
-              <a:schemeClr val="tx1"/>
-            </a:solidFill>
-          </a:ln>
-        </p:spPr>
-        <p:style>
-          <a:lnRef idx="2">
-            <a:schemeClr val="accent1">
-              <a:shade val="50000"/>
-            </a:schemeClr>
-          </a:lnRef>
-          <a:fillRef idx="1">
-            <a:schemeClr val="accent1"/>
-          </a:fillRef>
-          <a:effectRef idx="0">
-            <a:schemeClr val="accent1"/>
-          </a:effectRef>
-          <a:fontRef idx="minor">
-            <a:schemeClr val="lt1"/>
-          </a:fontRef>
-        </p:style>
-        <p:txBody>
-          <a:bodyPr rtlCol="0" anchor="ctr"/>
-          <a:lstStyle/>
-          <a:p>
-            <a:pPr algn="ctr"/>
-            <a:endParaRPr lang="en-US"/>
-          </a:p>
-        </p:txBody>
-      </p:sp>
-      <p:sp>
-        <p:nvSpPr>
-          <p:cNvPr id="736" name="Pentagon 735"/>
-          <p:cNvSpPr/>
-          <p:nvPr/>
-        </p:nvSpPr>
-        <p:spPr>
-          <a:xfrm>
-            <a:off x="533400" y="7543800"/>
-            <a:ext cx="228600" cy="152400"/>
-          </a:xfrm>
-          <a:prstGeom prst="homePlate">
-            <a:avLst/>
-          </a:prstGeom>
-          <a:noFill/>
-          <a:ln w="12700">
-            <a:solidFill>
-              <a:schemeClr val="tx1"/>
-            </a:solidFill>
-          </a:ln>
-        </p:spPr>
-        <p:style>
-          <a:lnRef idx="2">
-            <a:schemeClr val="accent1">
-              <a:shade val="50000"/>
-            </a:schemeClr>
-          </a:lnRef>
-          <a:fillRef idx="1">
-            <a:schemeClr val="accent1"/>
-          </a:fillRef>
-          <a:effectRef idx="0">
-            <a:schemeClr val="accent1"/>
-          </a:effectRef>
-          <a:fontRef idx="minor">
-            <a:schemeClr val="lt1"/>
-          </a:fontRef>
-        </p:style>
-        <p:txBody>
-          <a:bodyPr rot="0" spcFirstLastPara="0" vertOverflow="overflow" horzOverflow="overflow" vert="horz" wrap="square" lIns="91440" tIns="45720" rIns="91440" bIns="45720" numCol="1" spcCol="0" rtlCol="0" fromWordArt="0" anchor="ctr" anchorCtr="0" forceAA="0" compatLnSpc="1">
-            <a:prstTxWarp prst="textNoShape">
-              <a:avLst/>
-            </a:prstTxWarp>
-            <a:noAutofit/>
-          </a:bodyPr>
-          <a:lstStyle/>
-          <a:p>
-            <a:pPr algn="ctr"/>
-            <a:endParaRPr lang="en-US" sz="3730"/>
-          </a:p>
-        </p:txBody>
-      </p:sp>
-      <p:cxnSp>
-        <p:nvCxnSpPr>
-          <p:cNvPr id="737" name="Straight Connector 736"/>
-          <p:cNvCxnSpPr/>
-          <p:nvPr/>
-        </p:nvCxnSpPr>
-        <p:spPr>
-          <a:xfrm flipV="1">
-            <a:off x="838200" y="7543796"/>
-            <a:ext cx="152400" cy="152404"/>
-          </a:xfrm>
-          <a:prstGeom prst="line">
-            <a:avLst/>
-          </a:prstGeom>
-          <a:ln w="12700">
-            <a:solidFill>
-              <a:srgbClr val="000000"/>
-            </a:solidFill>
-            <a:headEnd type="none" w="med" len="med"/>
-            <a:tailEnd type="none" w="med" len="med"/>
-          </a:ln>
-        </p:spPr>
-        <p:style>
-          <a:lnRef idx="1">
-            <a:schemeClr val="accent1"/>
-          </a:lnRef>
-          <a:fillRef idx="0">
-            <a:schemeClr val="accent1"/>
-          </a:fillRef>
-          <a:effectRef idx="0">
-            <a:schemeClr val="accent1"/>
-          </a:effectRef>
-          <a:fontRef idx="minor">
-            <a:schemeClr val="tx1"/>
-          </a:fontRef>
-        </p:style>
-      </p:cxnSp>
-      <p:sp>
-        <p:nvSpPr>
-          <p:cNvPr id="738" name="Rectangle 737"/>
-          <p:cNvSpPr/>
-          <p:nvPr/>
-        </p:nvSpPr>
-        <p:spPr>
-          <a:xfrm>
-            <a:off x="1143000" y="7467596"/>
-            <a:ext cx="457200" cy="152400"/>
-          </a:xfrm>
-          <a:prstGeom prst="rect">
-            <a:avLst/>
-          </a:prstGeom>
-          <a:noFill/>
-          <a:ln>
-            <a:noFill/>
-          </a:ln>
-        </p:spPr>
-        <p:style>
-          <a:lnRef idx="2">
-            <a:schemeClr val="accent1">
-              <a:shade val="50000"/>
-            </a:schemeClr>
-          </a:lnRef>
-          <a:fillRef idx="1">
-            <a:schemeClr val="accent1"/>
-          </a:fillRef>
-          <a:effectRef idx="0">
-            <a:schemeClr val="accent1"/>
-          </a:effectRef>
-          <a:fontRef idx="minor">
-            <a:schemeClr val="lt1"/>
-          </a:fontRef>
-        </p:style>
-        <p:txBody>
-          <a:bodyPr wrap="none" lIns="45720" rIns="45720" rtlCol="0" anchor="ctr"/>
-          <a:lstStyle/>
-          <a:p>
-            <a:r>
-              <a:rPr lang="en-US" sz="900" dirty="0">
-                <a:solidFill>
-                  <a:srgbClr val="000000"/>
-                </a:solidFill>
-                <a:latin typeface="Courier New" panose="02070309020205020404" pitchFamily="49" charset="0"/>
-                <a:cs typeface="Courier New" panose="02070309020205020404" pitchFamily="49" charset="0"/>
-              </a:rPr>
-              <a:t>RSTX</a:t>
-            </a:r>
-            <a:endParaRPr lang="en-US" sz="900" dirty="0">
-              <a:solidFill>
-                <a:srgbClr val="000000"/>
-              </a:solidFill>
-              <a:latin typeface="Courier New" panose="02070309020205020404" pitchFamily="49" charset="0"/>
-              <a:cs typeface="Courier New" panose="02070309020205020404" pitchFamily="49" charset="0"/>
-            </a:endParaRPr>
-          </a:p>
-        </p:txBody>
-      </p:sp>
-      <p:sp>
-        <p:nvSpPr>
           <p:cNvPr id="739" name="Rectangle 738"/>
           <p:cNvSpPr/>
           <p:nvPr/>
         </p:nvSpPr>
         <p:spPr>
           <a:xfrm>
-            <a:off x="838201" y="7467596"/>
+            <a:off x="838201" y="3657600"/>
             <a:ext cx="152400" cy="76200"/>
           </a:xfrm>
           <a:prstGeom prst="rect">
@@ -8318,13 +8199,6 @@
               </a:rPr>
               <a:t>1</a:t>
             </a:r>
-            <a:endParaRPr lang="en-US" sz="900" dirty="0">
-              <a:solidFill>
-                <a:srgbClr val="000000"/>
-              </a:solidFill>
-              <a:latin typeface="Courier New" panose="02070309020205020404" pitchFamily="49" charset="0"/>
-              <a:cs typeface="Courier New" panose="02070309020205020404" pitchFamily="49" charset="0"/>
-            </a:endParaRPr>
           </a:p>
         </p:txBody>
       </p:sp>
@@ -8335,9 +8209,9 @@
           <p:nvPr/>
         </p:nvCxnSpPr>
         <p:spPr>
-          <a:xfrm>
-            <a:off x="762000" y="7620000"/>
-            <a:ext cx="8229600" cy="0"/>
+          <a:xfrm flipV="1">
+            <a:off x="762000" y="3810000"/>
+            <a:ext cx="8077200" cy="4"/>
           </a:xfrm>
           <a:prstGeom prst="line">
             <a:avLst/>
@@ -8373,8 +8247,8 @@
         </p:nvCxnSpPr>
         <p:spPr>
           <a:xfrm>
-            <a:off x="8991600" y="5486400"/>
-            <a:ext cx="762000" cy="0"/>
+            <a:off x="8839200" y="5486400"/>
+            <a:ext cx="914400" cy="0"/>
           </a:xfrm>
           <a:prstGeom prst="line">
             <a:avLst/>
@@ -8409,9 +8283,9 @@
           <p:nvPr/>
         </p:nvCxnSpPr>
         <p:spPr>
-          <a:xfrm flipV="1">
-            <a:off x="8991600" y="5486400"/>
-            <a:ext cx="0" cy="2133600"/>
+          <a:xfrm>
+            <a:off x="8839200" y="3810000"/>
+            <a:ext cx="0" cy="1676400"/>
           </a:xfrm>
           <a:prstGeom prst="line">
             <a:avLst/>
@@ -8637,13 +8511,6 @@
               </a:rPr>
               <a:t>2</a:t>
             </a:r>
-            <a:endParaRPr lang="en-US" sz="900" dirty="0">
-              <a:solidFill>
-                <a:srgbClr val="000000"/>
-              </a:solidFill>
-              <a:latin typeface="Courier New" panose="02070309020205020404" pitchFamily="49" charset="0"/>
-              <a:cs typeface="Courier New" panose="02070309020205020404" pitchFamily="49" charset="0"/>
-            </a:endParaRPr>
           </a:p>
         </p:txBody>
       </p:sp>
@@ -8786,13 +8653,6 @@
               </a:rPr>
               <a:t>DOUT</a:t>
             </a:r>
-            <a:endParaRPr lang="en-US" sz="900" dirty="0">
-              <a:solidFill>
-                <a:srgbClr val="000000"/>
-              </a:solidFill>
-              <a:latin typeface="Courier New" panose="02070309020205020404" pitchFamily="49" charset="0"/>
-              <a:cs typeface="Courier New" panose="02070309020205020404" pitchFamily="49" charset="0"/>
-            </a:endParaRPr>
           </a:p>
         </p:txBody>
       </p:sp>
@@ -8845,13 +8705,6 @@
               </a:rPr>
               <a:t>[31]</a:t>
             </a:r>
-            <a:endParaRPr lang="en-US" sz="900" dirty="0">
-              <a:solidFill>
-                <a:srgbClr val="000000"/>
-              </a:solidFill>
-              <a:latin typeface="Courier New" panose="02070309020205020404" pitchFamily="49" charset="0"/>
-              <a:cs typeface="Courier New" panose="02070309020205020404" pitchFamily="49" charset="0"/>
-            </a:endParaRPr>
           </a:p>
         </p:txBody>
       </p:sp>
@@ -8904,13 +8757,6 @@
               </a:rPr>
               <a:t>[30]</a:t>
             </a:r>
-            <a:endParaRPr lang="en-US" sz="900" dirty="0">
-              <a:solidFill>
-                <a:srgbClr val="000000"/>
-              </a:solidFill>
-              <a:latin typeface="Courier New" panose="02070309020205020404" pitchFamily="49" charset="0"/>
-              <a:cs typeface="Courier New" panose="02070309020205020404" pitchFamily="49" charset="0"/>
-            </a:endParaRPr>
           </a:p>
         </p:txBody>
       </p:sp>
@@ -8963,13 +8809,6 @@
               </a:rPr>
               <a:t>[29:0]</a:t>
             </a:r>
-            <a:endParaRPr lang="en-US" sz="900" dirty="0">
-              <a:solidFill>
-                <a:srgbClr val="000000"/>
-              </a:solidFill>
-              <a:latin typeface="Courier New" panose="02070309020205020404" pitchFamily="49" charset="0"/>
-              <a:cs typeface="Courier New" panose="02070309020205020404" pitchFamily="49" charset="0"/>
-            </a:endParaRPr>
           </a:p>
         </p:txBody>
       </p:sp>
@@ -9022,13 +8861,6 @@
               </a:rPr>
               <a:t>[0]</a:t>
             </a:r>
-            <a:endParaRPr lang="en-US" sz="900" dirty="0">
-              <a:solidFill>
-                <a:srgbClr val="000000"/>
-              </a:solidFill>
-              <a:latin typeface="Courier New" panose="02070309020205020404" pitchFamily="49" charset="0"/>
-              <a:cs typeface="Courier New" panose="02070309020205020404" pitchFamily="49" charset="0"/>
-            </a:endParaRPr>
           </a:p>
         </p:txBody>
       </p:sp>
@@ -9081,13 +8913,6 @@
               </a:rPr>
               <a:t>[1]</a:t>
             </a:r>
-            <a:endParaRPr lang="en-US" sz="900" dirty="0">
-              <a:solidFill>
-                <a:srgbClr val="000000"/>
-              </a:solidFill>
-              <a:latin typeface="Courier New" panose="02070309020205020404" pitchFamily="49" charset="0"/>
-              <a:cs typeface="Courier New" panose="02070309020205020404" pitchFamily="49" charset="0"/>
-            </a:endParaRPr>
           </a:p>
         </p:txBody>
       </p:sp>
@@ -9140,13 +8965,6 @@
               </a:rPr>
               <a:t>i_oddr2</a:t>
             </a:r>
-            <a:endParaRPr lang="en-US" sz="900" dirty="0">
-              <a:solidFill>
-                <a:srgbClr val="000000"/>
-              </a:solidFill>
-              <a:latin typeface="Courier New" panose="02070309020205020404" pitchFamily="49" charset="0"/>
-              <a:cs typeface="Courier New" panose="02070309020205020404" pitchFamily="49" charset="0"/>
-            </a:endParaRPr>
           </a:p>
         </p:txBody>
       </p:sp>
@@ -9344,7 +9162,7 @@
         </p:nvSpPr>
         <p:spPr>
           <a:xfrm>
-            <a:off x="3581400" y="6248400"/>
+            <a:off x="4267200" y="6248400"/>
             <a:ext cx="457200" cy="152400"/>
           </a:xfrm>
           <a:prstGeom prst="rect">
@@ -9385,13 +9203,6 @@
               </a:rPr>
               <a:t>clk_div_d1</a:t>
             </a:r>
-            <a:endParaRPr lang="en-US" sz="900" dirty="0">
-              <a:solidFill>
-                <a:srgbClr val="000000"/>
-              </a:solidFill>
-              <a:latin typeface="Courier New" panose="02070309020205020404" pitchFamily="49" charset="0"/>
-              <a:cs typeface="Courier New" panose="02070309020205020404" pitchFamily="49" charset="0"/>
-            </a:endParaRPr>
           </a:p>
         </p:txBody>
       </p:sp>
@@ -9445,13 +9256,6 @@
               </a:rPr>
               <a:t>1</a:t>
             </a:r>
-            <a:endParaRPr lang="en-US" sz="900" dirty="0">
-              <a:solidFill>
-                <a:srgbClr val="000000"/>
-              </a:solidFill>
-              <a:latin typeface="Courier New" panose="02070309020205020404" pitchFamily="49" charset="0"/>
-              <a:cs typeface="Courier New" panose="02070309020205020404" pitchFamily="49" charset="0"/>
-            </a:endParaRPr>
           </a:p>
         </p:txBody>
       </p:sp>
@@ -9541,13 +9345,6 @@
               </a:rPr>
               <a:t>clk_div_d2</a:t>
             </a:r>
-            <a:endParaRPr lang="en-US" sz="900" dirty="0">
-              <a:solidFill>
-                <a:srgbClr val="000000"/>
-              </a:solidFill>
-              <a:latin typeface="Courier New" panose="02070309020205020404" pitchFamily="49" charset="0"/>
-              <a:cs typeface="Courier New" panose="02070309020205020404" pitchFamily="49" charset="0"/>
-            </a:endParaRPr>
           </a:p>
         </p:txBody>
       </p:sp>
@@ -9601,6 +9398,443 @@
               </a:rPr>
               <a:t>1</a:t>
             </a:r>
+          </a:p>
+        </p:txBody>
+      </p:sp>
+      <p:sp>
+        <p:nvSpPr>
+          <p:cNvPr id="136" name="Oval 135"/>
+          <p:cNvSpPr/>
+          <p:nvPr/>
+        </p:nvSpPr>
+        <p:spPr>
+          <a:xfrm>
+            <a:off x="2971800" y="6172200"/>
+            <a:ext cx="152400" cy="152400"/>
+          </a:xfrm>
+          <a:prstGeom prst="ellipse">
+            <a:avLst/>
+          </a:prstGeom>
+          <a:noFill/>
+          <a:ln w="12700">
+            <a:solidFill>
+              <a:schemeClr val="tx1"/>
+            </a:solidFill>
+          </a:ln>
+        </p:spPr>
+        <p:style>
+          <a:lnRef idx="2">
+            <a:schemeClr val="accent1">
+              <a:shade val="50000"/>
+            </a:schemeClr>
+          </a:lnRef>
+          <a:fillRef idx="1">
+            <a:schemeClr val="accent1"/>
+          </a:fillRef>
+          <a:effectRef idx="0">
+            <a:schemeClr val="accent1"/>
+          </a:effectRef>
+          <a:fontRef idx="minor">
+            <a:schemeClr val="lt1"/>
+          </a:fontRef>
+        </p:style>
+        <p:txBody>
+          <a:bodyPr rtlCol="0" anchor="ctr"/>
+          <a:lstStyle/>
+          <a:p>
+            <a:pPr algn="ctr"/>
+            <a:endParaRPr lang="en-US"/>
+          </a:p>
+        </p:txBody>
+      </p:sp>
+      <p:sp>
+        <p:nvSpPr>
+          <p:cNvPr id="137" name="Oval 136"/>
+          <p:cNvSpPr/>
+          <p:nvPr/>
+        </p:nvSpPr>
+        <p:spPr>
+          <a:xfrm>
+            <a:off x="3886200" y="6477000"/>
+            <a:ext cx="152400" cy="152400"/>
+          </a:xfrm>
+          <a:prstGeom prst="ellipse">
+            <a:avLst/>
+          </a:prstGeom>
+          <a:noFill/>
+          <a:ln w="12700">
+            <a:solidFill>
+              <a:schemeClr val="tx1"/>
+            </a:solidFill>
+          </a:ln>
+        </p:spPr>
+        <p:style>
+          <a:lnRef idx="2">
+            <a:schemeClr val="accent1">
+              <a:shade val="50000"/>
+            </a:schemeClr>
+          </a:lnRef>
+          <a:fillRef idx="1">
+            <a:schemeClr val="accent1"/>
+          </a:fillRef>
+          <a:effectRef idx="0">
+            <a:schemeClr val="accent1"/>
+          </a:effectRef>
+          <a:fontRef idx="minor">
+            <a:schemeClr val="lt1"/>
+          </a:fontRef>
+        </p:style>
+        <p:txBody>
+          <a:bodyPr rtlCol="0" anchor="ctr"/>
+          <a:lstStyle/>
+          <a:p>
+            <a:pPr algn="ctr"/>
+            <a:endParaRPr lang="en-US"/>
+          </a:p>
+        </p:txBody>
+      </p:sp>
+      <p:sp>
+        <p:nvSpPr>
+          <p:cNvPr id="139" name="Oval 138"/>
+          <p:cNvSpPr/>
+          <p:nvPr/>
+        </p:nvSpPr>
+        <p:spPr>
+          <a:xfrm>
+            <a:off x="6477000" y="4800600"/>
+            <a:ext cx="152400" cy="152400"/>
+          </a:xfrm>
+          <a:prstGeom prst="ellipse">
+            <a:avLst/>
+          </a:prstGeom>
+          <a:noFill/>
+          <a:ln w="12700">
+            <a:solidFill>
+              <a:schemeClr val="tx1"/>
+            </a:solidFill>
+          </a:ln>
+        </p:spPr>
+        <p:style>
+          <a:lnRef idx="2">
+            <a:schemeClr val="accent1">
+              <a:shade val="50000"/>
+            </a:schemeClr>
+          </a:lnRef>
+          <a:fillRef idx="1">
+            <a:schemeClr val="accent1"/>
+          </a:fillRef>
+          <a:effectRef idx="0">
+            <a:schemeClr val="accent1"/>
+          </a:effectRef>
+          <a:fontRef idx="minor">
+            <a:schemeClr val="lt1"/>
+          </a:fontRef>
+        </p:style>
+        <p:txBody>
+          <a:bodyPr rtlCol="0" anchor="ctr"/>
+          <a:lstStyle/>
+          <a:p>
+            <a:pPr algn="ctr"/>
+            <a:endParaRPr lang="en-US"/>
+          </a:p>
+        </p:txBody>
+      </p:sp>
+      <p:sp>
+        <p:nvSpPr>
+          <p:cNvPr id="143" name="Oval 142"/>
+          <p:cNvSpPr/>
+          <p:nvPr/>
+        </p:nvSpPr>
+        <p:spPr>
+          <a:xfrm>
+            <a:off x="2057400" y="4648200"/>
+            <a:ext cx="152400" cy="152400"/>
+          </a:xfrm>
+          <a:prstGeom prst="ellipse">
+            <a:avLst/>
+          </a:prstGeom>
+          <a:noFill/>
+          <a:ln w="12700">
+            <a:solidFill>
+              <a:schemeClr val="tx1"/>
+            </a:solidFill>
+          </a:ln>
+        </p:spPr>
+        <p:style>
+          <a:lnRef idx="2">
+            <a:schemeClr val="accent1">
+              <a:shade val="50000"/>
+            </a:schemeClr>
+          </a:lnRef>
+          <a:fillRef idx="1">
+            <a:schemeClr val="accent1"/>
+          </a:fillRef>
+          <a:effectRef idx="0">
+            <a:schemeClr val="accent1"/>
+          </a:effectRef>
+          <a:fontRef idx="minor">
+            <a:schemeClr val="lt1"/>
+          </a:fontRef>
+        </p:style>
+        <p:txBody>
+          <a:bodyPr rtlCol="0" anchor="ctr"/>
+          <a:lstStyle/>
+          <a:p>
+            <a:pPr algn="ctr"/>
+            <a:endParaRPr lang="en-US"/>
+          </a:p>
+        </p:txBody>
+      </p:sp>
+      <p:cxnSp>
+        <p:nvCxnSpPr>
+          <p:cNvPr id="146" name="Straight Connector 145"/>
+          <p:cNvCxnSpPr/>
+          <p:nvPr/>
+        </p:nvCxnSpPr>
+        <p:spPr>
+          <a:xfrm>
+            <a:off x="3048000" y="3810000"/>
+            <a:ext cx="0" cy="2362200"/>
+          </a:xfrm>
+          <a:prstGeom prst="line">
+            <a:avLst/>
+          </a:prstGeom>
+          <a:ln w="12700">
+            <a:solidFill>
+              <a:srgbClr val="000000"/>
+            </a:solidFill>
+            <a:headEnd type="oval" w="med" len="med"/>
+            <a:tailEnd type="none" w="med" len="med"/>
+          </a:ln>
+        </p:spPr>
+        <p:style>
+          <a:lnRef idx="1">
+            <a:schemeClr val="accent1"/>
+          </a:lnRef>
+          <a:fillRef idx="0">
+            <a:schemeClr val="accent1"/>
+          </a:fillRef>
+          <a:effectRef idx="0">
+            <a:schemeClr val="accent1"/>
+          </a:effectRef>
+          <a:fontRef idx="minor">
+            <a:schemeClr val="tx1"/>
+          </a:fontRef>
+        </p:style>
+      </p:cxnSp>
+      <p:cxnSp>
+        <p:nvCxnSpPr>
+          <p:cNvPr id="148" name="Straight Connector 147"/>
+          <p:cNvCxnSpPr/>
+          <p:nvPr/>
+        </p:nvCxnSpPr>
+        <p:spPr>
+          <a:xfrm>
+            <a:off x="3962400" y="3810000"/>
+            <a:ext cx="0" cy="2667000"/>
+          </a:xfrm>
+          <a:prstGeom prst="line">
+            <a:avLst/>
+          </a:prstGeom>
+          <a:ln w="12700">
+            <a:solidFill>
+              <a:srgbClr val="000000"/>
+            </a:solidFill>
+            <a:headEnd type="oval" w="med" len="med"/>
+            <a:tailEnd type="none" w="med" len="med"/>
+          </a:ln>
+        </p:spPr>
+        <p:style>
+          <a:lnRef idx="1">
+            <a:schemeClr val="accent1"/>
+          </a:lnRef>
+          <a:fillRef idx="0">
+            <a:schemeClr val="accent1"/>
+          </a:fillRef>
+          <a:effectRef idx="0">
+            <a:schemeClr val="accent1"/>
+          </a:effectRef>
+          <a:fontRef idx="minor">
+            <a:schemeClr val="tx1"/>
+          </a:fontRef>
+        </p:style>
+      </p:cxnSp>
+      <p:cxnSp>
+        <p:nvCxnSpPr>
+          <p:cNvPr id="150" name="Straight Connector 149"/>
+          <p:cNvCxnSpPr>
+            <a:endCxn id="139" idx="0"/>
+          </p:cNvCxnSpPr>
+          <p:nvPr/>
+        </p:nvCxnSpPr>
+        <p:spPr>
+          <a:xfrm>
+            <a:off x="6553200" y="3810000"/>
+            <a:ext cx="0" cy="990600"/>
+          </a:xfrm>
+          <a:prstGeom prst="line">
+            <a:avLst/>
+          </a:prstGeom>
+          <a:ln w="12700">
+            <a:solidFill>
+              <a:srgbClr val="000000"/>
+            </a:solidFill>
+            <a:headEnd type="oval" w="med" len="med"/>
+            <a:tailEnd type="none" w="med" len="med"/>
+          </a:ln>
+        </p:spPr>
+        <p:style>
+          <a:lnRef idx="1">
+            <a:schemeClr val="accent1"/>
+          </a:lnRef>
+          <a:fillRef idx="0">
+            <a:schemeClr val="accent1"/>
+          </a:fillRef>
+          <a:effectRef idx="0">
+            <a:schemeClr val="accent1"/>
+          </a:effectRef>
+          <a:fontRef idx="minor">
+            <a:schemeClr val="tx1"/>
+          </a:fontRef>
+        </p:style>
+      </p:cxnSp>
+      <p:sp>
+        <p:nvSpPr>
+          <p:cNvPr id="152" name="Pentagon 151"/>
+          <p:cNvSpPr/>
+          <p:nvPr/>
+        </p:nvSpPr>
+        <p:spPr>
+          <a:xfrm>
+            <a:off x="533400" y="4038600"/>
+            <a:ext cx="228600" cy="152400"/>
+          </a:xfrm>
+          <a:prstGeom prst="homePlate">
+            <a:avLst/>
+          </a:prstGeom>
+          <a:noFill/>
+          <a:ln w="12700">
+            <a:solidFill>
+              <a:schemeClr val="tx1"/>
+            </a:solidFill>
+          </a:ln>
+        </p:spPr>
+        <p:style>
+          <a:lnRef idx="2">
+            <a:schemeClr val="accent1">
+              <a:shade val="50000"/>
+            </a:schemeClr>
+          </a:lnRef>
+          <a:fillRef idx="1">
+            <a:schemeClr val="accent1"/>
+          </a:fillRef>
+          <a:effectRef idx="0">
+            <a:schemeClr val="accent1"/>
+          </a:effectRef>
+          <a:fontRef idx="minor">
+            <a:schemeClr val="lt1"/>
+          </a:fontRef>
+        </p:style>
+        <p:txBody>
+          <a:bodyPr rot="0" spcFirstLastPara="0" vertOverflow="overflow" horzOverflow="overflow" vert="horz" wrap="square" lIns="91440" tIns="45720" rIns="91440" bIns="45720" numCol="1" spcCol="0" rtlCol="0" fromWordArt="0" anchor="ctr" anchorCtr="0" forceAA="0" compatLnSpc="1">
+            <a:prstTxWarp prst="textNoShape">
+              <a:avLst/>
+            </a:prstTxWarp>
+            <a:noAutofit/>
+          </a:bodyPr>
+          <a:lstStyle/>
+          <a:p>
+            <a:pPr algn="ctr"/>
+            <a:endParaRPr lang="en-US" sz="3730"/>
+          </a:p>
+        </p:txBody>
+      </p:sp>
+      <p:cxnSp>
+        <p:nvCxnSpPr>
+          <p:cNvPr id="153" name="Straight Connector 152"/>
+          <p:cNvCxnSpPr/>
+          <p:nvPr/>
+        </p:nvCxnSpPr>
+        <p:spPr>
+          <a:xfrm flipV="1">
+            <a:off x="838200" y="4038596"/>
+            <a:ext cx="152400" cy="152404"/>
+          </a:xfrm>
+          <a:prstGeom prst="line">
+            <a:avLst/>
+          </a:prstGeom>
+          <a:ln w="12700">
+            <a:solidFill>
+              <a:srgbClr val="000000"/>
+            </a:solidFill>
+            <a:headEnd type="none" w="med" len="med"/>
+            <a:tailEnd type="none" w="med" len="med"/>
+          </a:ln>
+        </p:spPr>
+        <p:style>
+          <a:lnRef idx="1">
+            <a:schemeClr val="accent1"/>
+          </a:lnRef>
+          <a:fillRef idx="0">
+            <a:schemeClr val="accent1"/>
+          </a:fillRef>
+          <a:effectRef idx="0">
+            <a:schemeClr val="accent1"/>
+          </a:effectRef>
+          <a:fontRef idx="minor">
+            <a:schemeClr val="tx1"/>
+          </a:fontRef>
+        </p:style>
+      </p:cxnSp>
+      <p:sp>
+        <p:nvSpPr>
+          <p:cNvPr id="154" name="Rectangle 153"/>
+          <p:cNvSpPr/>
+          <p:nvPr/>
+        </p:nvSpPr>
+        <p:spPr>
+          <a:xfrm>
+            <a:off x="1143000" y="3962396"/>
+            <a:ext cx="457200" cy="152400"/>
+          </a:xfrm>
+          <a:prstGeom prst="rect">
+            <a:avLst/>
+          </a:prstGeom>
+          <a:noFill/>
+          <a:ln>
+            <a:noFill/>
+          </a:ln>
+        </p:spPr>
+        <p:style>
+          <a:lnRef idx="2">
+            <a:schemeClr val="accent1">
+              <a:shade val="50000"/>
+            </a:schemeClr>
+          </a:lnRef>
+          <a:fillRef idx="1">
+            <a:schemeClr val="accent1"/>
+          </a:fillRef>
+          <a:effectRef idx="0">
+            <a:schemeClr val="accent1"/>
+          </a:effectRef>
+          <a:fontRef idx="minor">
+            <a:schemeClr val="lt1"/>
+          </a:fontRef>
+        </p:style>
+        <p:txBody>
+          <a:bodyPr wrap="none" lIns="45720" rIns="45720" rtlCol="0" anchor="ctr"/>
+          <a:lstStyle/>
+          <a:p>
+            <a:r>
+              <a:rPr lang="en-US" sz="900" dirty="0" smtClean="0">
+                <a:solidFill>
+                  <a:srgbClr val="000000"/>
+                </a:solidFill>
+                <a:latin typeface="Courier New" panose="02070309020205020404" pitchFamily="49" charset="0"/>
+                <a:cs typeface="Courier New" panose="02070309020205020404" pitchFamily="49" charset="0"/>
+              </a:rPr>
+              <a:t>RSTXD</a:t>
+            </a:r>
             <a:endParaRPr lang="en-US" sz="900" dirty="0">
               <a:solidFill>
                 <a:srgbClr val="000000"/>
@@ -9611,6 +9845,133 @@
           </a:p>
         </p:txBody>
       </p:sp>
+      <p:sp>
+        <p:nvSpPr>
+          <p:cNvPr id="155" name="Rectangle 154"/>
+          <p:cNvSpPr/>
+          <p:nvPr/>
+        </p:nvSpPr>
+        <p:spPr>
+          <a:xfrm>
+            <a:off x="838201" y="3962396"/>
+            <a:ext cx="152400" cy="76200"/>
+          </a:xfrm>
+          <a:prstGeom prst="rect">
+            <a:avLst/>
+          </a:prstGeom>
+          <a:noFill/>
+          <a:ln>
+            <a:noFill/>
+          </a:ln>
+        </p:spPr>
+        <p:style>
+          <a:lnRef idx="2">
+            <a:schemeClr val="accent1">
+              <a:shade val="50000"/>
+            </a:schemeClr>
+          </a:lnRef>
+          <a:fillRef idx="1">
+            <a:schemeClr val="accent1"/>
+          </a:fillRef>
+          <a:effectRef idx="0">
+            <a:schemeClr val="accent1"/>
+          </a:effectRef>
+          <a:fontRef idx="minor">
+            <a:schemeClr val="lt1"/>
+          </a:fontRef>
+        </p:style>
+        <p:txBody>
+          <a:bodyPr wrap="none" lIns="45720" rIns="45720" rtlCol="0" anchor="ctr"/>
+          <a:lstStyle/>
+          <a:p>
+            <a:pPr algn="ctr"/>
+            <a:r>
+              <a:rPr lang="en-US" sz="900" dirty="0">
+                <a:solidFill>
+                  <a:srgbClr val="000000"/>
+                </a:solidFill>
+                <a:latin typeface="Courier New" panose="02070309020205020404" pitchFamily="49" charset="0"/>
+                <a:cs typeface="Courier New" panose="02070309020205020404" pitchFamily="49" charset="0"/>
+              </a:rPr>
+              <a:t>1</a:t>
+            </a:r>
+          </a:p>
+        </p:txBody>
+      </p:sp>
+      <p:cxnSp>
+        <p:nvCxnSpPr>
+          <p:cNvPr id="156" name="Straight Connector 155"/>
+          <p:cNvCxnSpPr/>
+          <p:nvPr/>
+        </p:nvCxnSpPr>
+        <p:spPr>
+          <a:xfrm>
+            <a:off x="762000" y="4114800"/>
+            <a:ext cx="1371600" cy="0"/>
+          </a:xfrm>
+          <a:prstGeom prst="line">
+            <a:avLst/>
+          </a:prstGeom>
+          <a:ln w="12700">
+            <a:solidFill>
+              <a:srgbClr val="000000"/>
+            </a:solidFill>
+            <a:headEnd type="none" w="med" len="med"/>
+            <a:tailEnd type="none" w="med" len="med"/>
+          </a:ln>
+        </p:spPr>
+        <p:style>
+          <a:lnRef idx="1">
+            <a:schemeClr val="accent1"/>
+          </a:lnRef>
+          <a:fillRef idx="0">
+            <a:schemeClr val="accent1"/>
+          </a:fillRef>
+          <a:effectRef idx="0">
+            <a:schemeClr val="accent1"/>
+          </a:effectRef>
+          <a:fontRef idx="minor">
+            <a:schemeClr val="tx1"/>
+          </a:fontRef>
+        </p:style>
+      </p:cxnSp>
+      <p:cxnSp>
+        <p:nvCxnSpPr>
+          <p:cNvPr id="158" name="Straight Connector 157"/>
+          <p:cNvCxnSpPr/>
+          <p:nvPr/>
+        </p:nvCxnSpPr>
+        <p:spPr>
+          <a:xfrm>
+            <a:off x="2133600" y="4114800"/>
+            <a:ext cx="0" cy="533400"/>
+          </a:xfrm>
+          <a:prstGeom prst="line">
+            <a:avLst/>
+          </a:prstGeom>
+          <a:ln w="12700">
+            <a:solidFill>
+              <a:srgbClr val="000000"/>
+            </a:solidFill>
+            <a:headEnd type="none" w="med" len="med"/>
+            <a:tailEnd type="none" w="med" len="med"/>
+          </a:ln>
+        </p:spPr>
+        <p:style>
+          <a:lnRef idx="1">
+            <a:schemeClr val="accent1"/>
+          </a:lnRef>
+          <a:fillRef idx="0">
+            <a:schemeClr val="accent1"/>
+          </a:fillRef>
+          <a:effectRef idx="0">
+            <a:schemeClr val="accent1"/>
+          </a:effectRef>
+          <a:fontRef idx="minor">
+            <a:schemeClr val="tx1"/>
+          </a:fontRef>
+        </p:style>
+      </p:cxnSp>
     </p:spTree>
     <p:extLst>
       <p:ext uri="{BB962C8B-B14F-4D97-AF65-F5344CB8AC3E}">

--- a/0060_serial/rtl/schematic/serial_send.pptx
+++ b/0060_serial/rtl/schematic/serial_send.pptx
@@ -3698,15 +3698,22 @@
           <a:p>
             <a:pPr algn="ctr"/>
             <a:r>
-              <a:rPr lang="en-US" sz="900" dirty="0">
+              <a:rPr lang="en-US" sz="900" dirty="0" smtClean="0">
                 <a:solidFill>
                   <a:srgbClr val="000000"/>
                 </a:solidFill>
                 <a:latin typeface="Courier New" panose="02070309020205020404" pitchFamily="49" charset="0"/>
                 <a:cs typeface="Courier New" panose="02070309020205020404" pitchFamily="49" charset="0"/>
               </a:rPr>
-              <a:t>32</a:t>
-            </a:r>
+              <a:t>64</a:t>
+            </a:r>
+            <a:endParaRPr lang="en-US" sz="900" dirty="0">
+              <a:solidFill>
+                <a:srgbClr val="000000"/>
+              </a:solidFill>
+              <a:latin typeface="Courier New" panose="02070309020205020404" pitchFamily="49" charset="0"/>
+              <a:cs typeface="Courier New" panose="02070309020205020404" pitchFamily="49" charset="0"/>
+            </a:endParaRPr>
           </a:p>
         </p:txBody>
       </p:sp>
@@ -5092,15 +5099,22 @@
           <a:p>
             <a:pPr algn="ctr"/>
             <a:r>
-              <a:rPr lang="en-US" sz="900" dirty="0">
+              <a:rPr lang="en-US" sz="900" dirty="0" smtClean="0">
                 <a:solidFill>
                   <a:srgbClr val="000000"/>
                 </a:solidFill>
                 <a:latin typeface="Courier New" panose="02070309020205020404" pitchFamily="49" charset="0"/>
                 <a:cs typeface="Courier New" panose="02070309020205020404" pitchFamily="49" charset="0"/>
               </a:rPr>
-              <a:t>32</a:t>
-            </a:r>
+              <a:t>64</a:t>
+            </a:r>
+            <a:endParaRPr lang="en-US" sz="900" dirty="0">
+              <a:solidFill>
+                <a:srgbClr val="000000"/>
+              </a:solidFill>
+              <a:latin typeface="Courier New" panose="02070309020205020404" pitchFamily="49" charset="0"/>
+              <a:cs typeface="Courier New" panose="02070309020205020404" pitchFamily="49" charset="0"/>
+            </a:endParaRPr>
           </a:p>
         </p:txBody>
       </p:sp>
@@ -6127,15 +6141,22 @@
           <a:p>
             <a:pPr algn="ctr"/>
             <a:r>
-              <a:rPr lang="en-US" sz="900" dirty="0">
+              <a:rPr lang="en-US" sz="900" dirty="0" smtClean="0">
                 <a:solidFill>
                   <a:srgbClr val="000000"/>
                 </a:solidFill>
                 <a:latin typeface="Courier New" panose="02070309020205020404" pitchFamily="49" charset="0"/>
                 <a:cs typeface="Courier New" panose="02070309020205020404" pitchFamily="49" charset="0"/>
               </a:rPr>
-              <a:t>32</a:t>
-            </a:r>
+              <a:t>64</a:t>
+            </a:r>
+            <a:endParaRPr lang="en-US" sz="900" dirty="0">
+              <a:solidFill>
+                <a:srgbClr val="000000"/>
+              </a:solidFill>
+              <a:latin typeface="Courier New" panose="02070309020205020404" pitchFamily="49" charset="0"/>
+              <a:cs typeface="Courier New" panose="02070309020205020404" pitchFamily="49" charset="0"/>
+            </a:endParaRPr>
           </a:p>
         </p:txBody>
       </p:sp>
@@ -6179,15 +6200,22 @@
           <a:lstStyle/>
           <a:p>
             <a:r>
-              <a:rPr lang="en-US" sz="900" dirty="0">
+              <a:rPr lang="en-US" sz="900" dirty="0" smtClean="0">
                 <a:solidFill>
                   <a:srgbClr val="000000"/>
                 </a:solidFill>
                 <a:latin typeface="Courier New" panose="02070309020205020404" pitchFamily="49" charset="0"/>
                 <a:cs typeface="Courier New" panose="02070309020205020404" pitchFamily="49" charset="0"/>
               </a:rPr>
-              <a:t>shift</a:t>
-            </a:r>
+              <a:t>din_d1</a:t>
+            </a:r>
+            <a:endParaRPr lang="en-US" sz="900" dirty="0">
+              <a:solidFill>
+                <a:srgbClr val="000000"/>
+              </a:solidFill>
+              <a:latin typeface="Courier New" panose="02070309020205020404" pitchFamily="49" charset="0"/>
+              <a:cs typeface="Courier New" panose="02070309020205020404" pitchFamily="49" charset="0"/>
+            </a:endParaRPr>
           </a:p>
         </p:txBody>
       </p:sp>
@@ -7253,7 +7281,7 @@
                 <a:latin typeface="Courier New" panose="02070309020205020404" pitchFamily="49" charset="0"/>
                 <a:cs typeface="Courier New" panose="02070309020205020404" pitchFamily="49" charset="0"/>
               </a:rPr>
-              <a:t>CLKD</a:t>
+              <a:t>CLKF</a:t>
             </a:r>
             <a:endParaRPr lang="en-US" sz="900" dirty="0">
               <a:solidFill>
@@ -7402,7 +7430,7 @@
                 <a:latin typeface="Courier New" panose="02070309020205020404" pitchFamily="49" charset="0"/>
                 <a:cs typeface="Courier New" panose="02070309020205020404" pitchFamily="49" charset="0"/>
               </a:rPr>
-              <a:t>CLKP</a:t>
+              <a:t>CLKS</a:t>
             </a:r>
             <a:endParaRPr lang="en-US" sz="900" dirty="0">
               <a:solidFill>
@@ -8137,7 +8165,7 @@
                 <a:latin typeface="Courier New" panose="02070309020205020404" pitchFamily="49" charset="0"/>
                 <a:cs typeface="Courier New" panose="02070309020205020404" pitchFamily="49" charset="0"/>
               </a:rPr>
-              <a:t>RSTXP</a:t>
+              <a:t>RSTXS</a:t>
             </a:r>
             <a:endParaRPr lang="en-US" sz="900" dirty="0">
               <a:solidFill>
@@ -8696,6 +8724,194 @@
           <a:lstStyle/>
           <a:p>
             <a:r>
+              <a:rPr lang="en-US" sz="900" dirty="0" smtClean="0">
+                <a:solidFill>
+                  <a:srgbClr val="000000"/>
+                </a:solidFill>
+                <a:latin typeface="Courier New" panose="02070309020205020404" pitchFamily="49" charset="0"/>
+                <a:cs typeface="Courier New" panose="02070309020205020404" pitchFamily="49" charset="0"/>
+              </a:rPr>
+              <a:t>[</a:t>
+            </a:r>
+            <a:r>
+              <a:rPr lang="en-US" sz="900" dirty="0" smtClean="0">
+                <a:solidFill>
+                  <a:srgbClr val="000000"/>
+                </a:solidFill>
+                <a:latin typeface="Courier New" panose="02070309020205020404" pitchFamily="49" charset="0"/>
+                <a:cs typeface="Courier New" panose="02070309020205020404" pitchFamily="49" charset="0"/>
+              </a:rPr>
+              <a:t>63</a:t>
+            </a:r>
+            <a:r>
+              <a:rPr lang="en-US" sz="900" dirty="0" smtClean="0">
+                <a:solidFill>
+                  <a:srgbClr val="000000"/>
+                </a:solidFill>
+                <a:latin typeface="Courier New" panose="02070309020205020404" pitchFamily="49" charset="0"/>
+                <a:cs typeface="Courier New" panose="02070309020205020404" pitchFamily="49" charset="0"/>
+              </a:rPr>
+              <a:t>]</a:t>
+            </a:r>
+            <a:endParaRPr lang="en-US" sz="900" dirty="0">
+              <a:solidFill>
+                <a:srgbClr val="000000"/>
+              </a:solidFill>
+              <a:latin typeface="Courier New" panose="02070309020205020404" pitchFamily="49" charset="0"/>
+              <a:cs typeface="Courier New" panose="02070309020205020404" pitchFamily="49" charset="0"/>
+            </a:endParaRPr>
+          </a:p>
+        </p:txBody>
+      </p:sp>
+      <p:sp>
+        <p:nvSpPr>
+          <p:cNvPr id="752" name="Rectangle 751"/>
+          <p:cNvSpPr/>
+          <p:nvPr/>
+        </p:nvSpPr>
+        <p:spPr>
+          <a:xfrm>
+            <a:off x="7772400" y="4419600"/>
+            <a:ext cx="457200" cy="152400"/>
+          </a:xfrm>
+          <a:prstGeom prst="rect">
+            <a:avLst/>
+          </a:prstGeom>
+          <a:noFill/>
+          <a:ln>
+            <a:noFill/>
+          </a:ln>
+        </p:spPr>
+        <p:style>
+          <a:lnRef idx="2">
+            <a:schemeClr val="accent1">
+              <a:shade val="50000"/>
+            </a:schemeClr>
+          </a:lnRef>
+          <a:fillRef idx="1">
+            <a:schemeClr val="accent1"/>
+          </a:fillRef>
+          <a:effectRef idx="0">
+            <a:schemeClr val="accent1"/>
+          </a:effectRef>
+          <a:fontRef idx="minor">
+            <a:schemeClr val="lt1"/>
+          </a:fontRef>
+        </p:style>
+        <p:txBody>
+          <a:bodyPr wrap="none" lIns="45720" rIns="45720" rtlCol="0" anchor="ctr"/>
+          <a:lstStyle/>
+          <a:p>
+            <a:r>
+              <a:rPr lang="en-US" sz="900" dirty="0" smtClean="0">
+                <a:solidFill>
+                  <a:srgbClr val="000000"/>
+                </a:solidFill>
+                <a:latin typeface="Courier New" panose="02070309020205020404" pitchFamily="49" charset="0"/>
+                <a:cs typeface="Courier New" panose="02070309020205020404" pitchFamily="49" charset="0"/>
+              </a:rPr>
+              <a:t>[</a:t>
+            </a:r>
+            <a:r>
+              <a:rPr lang="en-US" sz="900" dirty="0" smtClean="0">
+                <a:solidFill>
+                  <a:srgbClr val="000000"/>
+                </a:solidFill>
+                <a:latin typeface="Courier New" panose="02070309020205020404" pitchFamily="49" charset="0"/>
+                <a:cs typeface="Courier New" panose="02070309020205020404" pitchFamily="49" charset="0"/>
+              </a:rPr>
+              <a:t>62</a:t>
+            </a:r>
+            <a:r>
+              <a:rPr lang="en-US" sz="900" dirty="0" smtClean="0">
+                <a:solidFill>
+                  <a:srgbClr val="000000"/>
+                </a:solidFill>
+                <a:latin typeface="Courier New" panose="02070309020205020404" pitchFamily="49" charset="0"/>
+                <a:cs typeface="Courier New" panose="02070309020205020404" pitchFamily="49" charset="0"/>
+              </a:rPr>
+              <a:t>]</a:t>
+            </a:r>
+            <a:endParaRPr lang="en-US" sz="900" dirty="0">
+              <a:solidFill>
+                <a:srgbClr val="000000"/>
+              </a:solidFill>
+              <a:latin typeface="Courier New" panose="02070309020205020404" pitchFamily="49" charset="0"/>
+              <a:cs typeface="Courier New" panose="02070309020205020404" pitchFamily="49" charset="0"/>
+            </a:endParaRPr>
+          </a:p>
+        </p:txBody>
+      </p:sp>
+      <p:sp>
+        <p:nvSpPr>
+          <p:cNvPr id="753" name="Rectangle 752"/>
+          <p:cNvSpPr/>
+          <p:nvPr/>
+        </p:nvSpPr>
+        <p:spPr>
+          <a:xfrm>
+            <a:off x="7772400" y="4648200"/>
+            <a:ext cx="457200" cy="152400"/>
+          </a:xfrm>
+          <a:prstGeom prst="rect">
+            <a:avLst/>
+          </a:prstGeom>
+          <a:noFill/>
+          <a:ln>
+            <a:noFill/>
+          </a:ln>
+        </p:spPr>
+        <p:style>
+          <a:lnRef idx="2">
+            <a:schemeClr val="accent1">
+              <a:shade val="50000"/>
+            </a:schemeClr>
+          </a:lnRef>
+          <a:fillRef idx="1">
+            <a:schemeClr val="accent1"/>
+          </a:fillRef>
+          <a:effectRef idx="0">
+            <a:schemeClr val="accent1"/>
+          </a:effectRef>
+          <a:fontRef idx="minor">
+            <a:schemeClr val="lt1"/>
+          </a:fontRef>
+        </p:style>
+        <p:txBody>
+          <a:bodyPr wrap="none" lIns="45720" rIns="45720" rtlCol="0" anchor="ctr"/>
+          <a:lstStyle/>
+          <a:p>
+            <a:r>
+              <a:rPr lang="en-US" sz="900" dirty="0" smtClean="0">
+                <a:solidFill>
+                  <a:srgbClr val="000000"/>
+                </a:solidFill>
+                <a:latin typeface="Courier New" panose="02070309020205020404" pitchFamily="49" charset="0"/>
+                <a:cs typeface="Courier New" panose="02070309020205020404" pitchFamily="49" charset="0"/>
+              </a:rPr>
+              <a:t>[</a:t>
+            </a:r>
+            <a:r>
+              <a:rPr lang="en-US" sz="900" dirty="0" smtClean="0">
+                <a:solidFill>
+                  <a:srgbClr val="000000"/>
+                </a:solidFill>
+                <a:latin typeface="Courier New" panose="02070309020205020404" pitchFamily="49" charset="0"/>
+                <a:cs typeface="Courier New" panose="02070309020205020404" pitchFamily="49" charset="0"/>
+              </a:rPr>
+              <a:t>61</a:t>
+            </a:r>
+            <a:r>
+              <a:rPr lang="en-US" sz="900" dirty="0" smtClean="0">
+                <a:solidFill>
+                  <a:srgbClr val="000000"/>
+                </a:solidFill>
+                <a:latin typeface="Courier New" panose="02070309020205020404" pitchFamily="49" charset="0"/>
+                <a:cs typeface="Courier New" panose="02070309020205020404" pitchFamily="49" charset="0"/>
+              </a:rPr>
+              <a:t>:0</a:t>
+            </a:r>
+            <a:r>
               <a:rPr lang="en-US" sz="900" dirty="0">
                 <a:solidFill>
                   <a:srgbClr val="000000"/>
@@ -8703,111 +8919,7 @@
                 <a:latin typeface="Courier New" panose="02070309020205020404" pitchFamily="49" charset="0"/>
                 <a:cs typeface="Courier New" panose="02070309020205020404" pitchFamily="49" charset="0"/>
               </a:rPr>
-              <a:t>[31]</a:t>
-            </a:r>
-          </a:p>
-        </p:txBody>
-      </p:sp>
-      <p:sp>
-        <p:nvSpPr>
-          <p:cNvPr id="752" name="Rectangle 751"/>
-          <p:cNvSpPr/>
-          <p:nvPr/>
-        </p:nvSpPr>
-        <p:spPr>
-          <a:xfrm>
-            <a:off x="7772400" y="4419600"/>
-            <a:ext cx="457200" cy="152400"/>
-          </a:xfrm>
-          <a:prstGeom prst="rect">
-            <a:avLst/>
-          </a:prstGeom>
-          <a:noFill/>
-          <a:ln>
-            <a:noFill/>
-          </a:ln>
-        </p:spPr>
-        <p:style>
-          <a:lnRef idx="2">
-            <a:schemeClr val="accent1">
-              <a:shade val="50000"/>
-            </a:schemeClr>
-          </a:lnRef>
-          <a:fillRef idx="1">
-            <a:schemeClr val="accent1"/>
-          </a:fillRef>
-          <a:effectRef idx="0">
-            <a:schemeClr val="accent1"/>
-          </a:effectRef>
-          <a:fontRef idx="minor">
-            <a:schemeClr val="lt1"/>
-          </a:fontRef>
-        </p:style>
-        <p:txBody>
-          <a:bodyPr wrap="none" lIns="45720" rIns="45720" rtlCol="0" anchor="ctr"/>
-          <a:lstStyle/>
-          <a:p>
-            <a:r>
-              <a:rPr lang="en-US" sz="900" dirty="0">
-                <a:solidFill>
-                  <a:srgbClr val="000000"/>
-                </a:solidFill>
-                <a:latin typeface="Courier New" panose="02070309020205020404" pitchFamily="49" charset="0"/>
-                <a:cs typeface="Courier New" panose="02070309020205020404" pitchFamily="49" charset="0"/>
-              </a:rPr>
-              <a:t>[30]</a:t>
-            </a:r>
-          </a:p>
-        </p:txBody>
-      </p:sp>
-      <p:sp>
-        <p:nvSpPr>
-          <p:cNvPr id="753" name="Rectangle 752"/>
-          <p:cNvSpPr/>
-          <p:nvPr/>
-        </p:nvSpPr>
-        <p:spPr>
-          <a:xfrm>
-            <a:off x="7772400" y="4648200"/>
-            <a:ext cx="457200" cy="152400"/>
-          </a:xfrm>
-          <a:prstGeom prst="rect">
-            <a:avLst/>
-          </a:prstGeom>
-          <a:noFill/>
-          <a:ln>
-            <a:noFill/>
-          </a:ln>
-        </p:spPr>
-        <p:style>
-          <a:lnRef idx="2">
-            <a:schemeClr val="accent1">
-              <a:shade val="50000"/>
-            </a:schemeClr>
-          </a:lnRef>
-          <a:fillRef idx="1">
-            <a:schemeClr val="accent1"/>
-          </a:fillRef>
-          <a:effectRef idx="0">
-            <a:schemeClr val="accent1"/>
-          </a:effectRef>
-          <a:fontRef idx="minor">
-            <a:schemeClr val="lt1"/>
-          </a:fontRef>
-        </p:style>
-        <p:txBody>
-          <a:bodyPr wrap="none" lIns="45720" rIns="45720" rtlCol="0" anchor="ctr"/>
-          <a:lstStyle/>
-          <a:p>
-            <a:r>
-              <a:rPr lang="en-US" sz="900" dirty="0">
-                <a:solidFill>
-                  <a:srgbClr val="000000"/>
-                </a:solidFill>
-                <a:latin typeface="Courier New" panose="02070309020205020404" pitchFamily="49" charset="0"/>
-                <a:cs typeface="Courier New" panose="02070309020205020404" pitchFamily="49" charset="0"/>
-              </a:rPr>
-              <a:t>[29:0]</a:t>
+              <a:t>]</a:t>
             </a:r>
           </a:p>
         </p:txBody>
@@ -9194,15 +9306,22 @@
           <a:lstStyle/>
           <a:p>
             <a:r>
-              <a:rPr lang="en-US" sz="900" dirty="0">
+              <a:rPr lang="en-US" sz="900" dirty="0" smtClean="0">
                 <a:solidFill>
                   <a:srgbClr val="000000"/>
                 </a:solidFill>
                 <a:latin typeface="Courier New" panose="02070309020205020404" pitchFamily="49" charset="0"/>
                 <a:cs typeface="Courier New" panose="02070309020205020404" pitchFamily="49" charset="0"/>
               </a:rPr>
-              <a:t>clk_div_d1</a:t>
-            </a:r>
+              <a:t>clkf_d1</a:t>
+            </a:r>
+            <a:endParaRPr lang="en-US" sz="900" dirty="0">
+              <a:solidFill>
+                <a:srgbClr val="000000"/>
+              </a:solidFill>
+              <a:latin typeface="Courier New" panose="02070309020205020404" pitchFamily="49" charset="0"/>
+              <a:cs typeface="Courier New" panose="02070309020205020404" pitchFamily="49" charset="0"/>
+            </a:endParaRPr>
           </a:p>
         </p:txBody>
       </p:sp>
@@ -9336,15 +9455,22 @@
           <a:lstStyle/>
           <a:p>
             <a:r>
-              <a:rPr lang="en-US" sz="900" dirty="0">
+              <a:rPr lang="en-US" sz="900" dirty="0" smtClean="0">
                 <a:solidFill>
                   <a:srgbClr val="000000"/>
                 </a:solidFill>
                 <a:latin typeface="Courier New" panose="02070309020205020404" pitchFamily="49" charset="0"/>
                 <a:cs typeface="Courier New" panose="02070309020205020404" pitchFamily="49" charset="0"/>
               </a:rPr>
-              <a:t>clk_div_d2</a:t>
-            </a:r>
+              <a:t>clkf_d2</a:t>
+            </a:r>
+            <a:endParaRPr lang="en-US" sz="900" dirty="0">
+              <a:solidFill>
+                <a:srgbClr val="000000"/>
+              </a:solidFill>
+              <a:latin typeface="Courier New" panose="02070309020205020404" pitchFamily="49" charset="0"/>
+              <a:cs typeface="Courier New" panose="02070309020205020404" pitchFamily="49" charset="0"/>
+            </a:endParaRPr>
           </a:p>
         </p:txBody>
       </p:sp>
@@ -9826,14 +9952,14 @@
           <a:lstStyle/>
           <a:p>
             <a:r>
-              <a:rPr lang="en-US" sz="900" dirty="0" smtClean="0">
+              <a:rPr lang="en-US" sz="900" smtClean="0">
                 <a:solidFill>
                   <a:srgbClr val="000000"/>
                 </a:solidFill>
                 <a:latin typeface="Courier New" panose="02070309020205020404" pitchFamily="49" charset="0"/>
                 <a:cs typeface="Courier New" panose="02070309020205020404" pitchFamily="49" charset="0"/>
               </a:rPr>
-              <a:t>RSTXD</a:t>
+              <a:t>RSTXF</a:t>
             </a:r>
             <a:endParaRPr lang="en-US" sz="900" dirty="0">
               <a:solidFill>
